--- a/Printables/LinkListLaugh.pptx
+++ b/Printables/LinkListLaugh.pptx
@@ -198,7 +198,7 @@
           <a:p>
             <a:fld id="{9C98580C-D285-4F41-9F7C-827133E32D3F}" type="datetimeFigureOut">
               <a:rPr lang="en-US" smtClean="0"/>
-              <a:t>3/3/24</a:t>
+              <a:t>11/13/24</a:t>
             </a:fld>
             <a:endParaRPr lang="en-US"/>
           </a:p>
@@ -612,7 +612,7 @@
           <a:p>
             <a:fld id="{6673748A-CFCB-6043-A763-01F8534D618B}" type="datetimeFigureOut">
               <a:rPr lang="en-US" smtClean="0"/>
-              <a:t>3/3/24</a:t>
+              <a:t>11/13/24</a:t>
             </a:fld>
             <a:endParaRPr lang="en-US"/>
           </a:p>
@@ -810,7 +810,7 @@
           <a:p>
             <a:fld id="{6673748A-CFCB-6043-A763-01F8534D618B}" type="datetimeFigureOut">
               <a:rPr lang="en-US" smtClean="0"/>
-              <a:t>3/3/24</a:t>
+              <a:t>11/13/24</a:t>
             </a:fld>
             <a:endParaRPr lang="en-US"/>
           </a:p>
@@ -1018,7 +1018,7 @@
           <a:p>
             <a:fld id="{6673748A-CFCB-6043-A763-01F8534D618B}" type="datetimeFigureOut">
               <a:rPr lang="en-US" smtClean="0"/>
-              <a:t>3/3/24</a:t>
+              <a:t>11/13/24</a:t>
             </a:fld>
             <a:endParaRPr lang="en-US"/>
           </a:p>
@@ -1216,7 +1216,7 @@
           <a:p>
             <a:fld id="{6673748A-CFCB-6043-A763-01F8534D618B}" type="datetimeFigureOut">
               <a:rPr lang="en-US" smtClean="0"/>
-              <a:t>3/3/24</a:t>
+              <a:t>11/13/24</a:t>
             </a:fld>
             <a:endParaRPr lang="en-US"/>
           </a:p>
@@ -1491,7 +1491,7 @@
           <a:p>
             <a:fld id="{6673748A-CFCB-6043-A763-01F8534D618B}" type="datetimeFigureOut">
               <a:rPr lang="en-US" smtClean="0"/>
-              <a:t>3/3/24</a:t>
+              <a:t>11/13/24</a:t>
             </a:fld>
             <a:endParaRPr lang="en-US"/>
           </a:p>
@@ -1756,7 +1756,7 @@
           <a:p>
             <a:fld id="{6673748A-CFCB-6043-A763-01F8534D618B}" type="datetimeFigureOut">
               <a:rPr lang="en-US" smtClean="0"/>
-              <a:t>3/3/24</a:t>
+              <a:t>11/13/24</a:t>
             </a:fld>
             <a:endParaRPr lang="en-US"/>
           </a:p>
@@ -2168,7 +2168,7 @@
           <a:p>
             <a:fld id="{6673748A-CFCB-6043-A763-01F8534D618B}" type="datetimeFigureOut">
               <a:rPr lang="en-US" smtClean="0"/>
-              <a:t>3/3/24</a:t>
+              <a:t>11/13/24</a:t>
             </a:fld>
             <a:endParaRPr lang="en-US"/>
           </a:p>
@@ -2309,7 +2309,7 @@
           <a:p>
             <a:fld id="{6673748A-CFCB-6043-A763-01F8534D618B}" type="datetimeFigureOut">
               <a:rPr lang="en-US" smtClean="0"/>
-              <a:t>3/3/24</a:t>
+              <a:t>11/13/24</a:t>
             </a:fld>
             <a:endParaRPr lang="en-US"/>
           </a:p>
@@ -2422,7 +2422,7 @@
           <a:p>
             <a:fld id="{6673748A-CFCB-6043-A763-01F8534D618B}" type="datetimeFigureOut">
               <a:rPr lang="en-US" smtClean="0"/>
-              <a:t>3/3/24</a:t>
+              <a:t>11/13/24</a:t>
             </a:fld>
             <a:endParaRPr lang="en-US"/>
           </a:p>
@@ -2733,7 +2733,7 @@
           <a:p>
             <a:fld id="{6673748A-CFCB-6043-A763-01F8534D618B}" type="datetimeFigureOut">
               <a:rPr lang="en-US" smtClean="0"/>
-              <a:t>3/3/24</a:t>
+              <a:t>11/13/24</a:t>
             </a:fld>
             <a:endParaRPr lang="en-US"/>
           </a:p>
@@ -3021,7 +3021,7 @@
           <a:p>
             <a:fld id="{6673748A-CFCB-6043-A763-01F8534D618B}" type="datetimeFigureOut">
               <a:rPr lang="en-US" smtClean="0"/>
-              <a:t>3/3/24</a:t>
+              <a:t>11/13/24</a:t>
             </a:fld>
             <a:endParaRPr lang="en-US"/>
           </a:p>
@@ -3262,7 +3262,7 @@
           <a:p>
             <a:fld id="{6673748A-CFCB-6043-A763-01F8534D618B}" type="datetimeFigureOut">
               <a:rPr lang="en-US" smtClean="0"/>
-              <a:t>3/3/24</a:t>
+              <a:t>11/13/24</a:t>
             </a:fld>
             <a:endParaRPr lang="en-US"/>
           </a:p>
@@ -3693,7 +3693,7 @@
         </p:nvSpPr>
         <p:spPr>
           <a:xfrm>
-            <a:off x="202032" y="3631441"/>
+            <a:off x="307134" y="3274090"/>
             <a:ext cx="3660791" cy="3155854"/>
           </a:xfrm>
           <a:prstGeom prst="hexagon">
@@ -3741,7 +3741,7 @@
         </p:nvSpPr>
         <p:spPr>
           <a:xfrm>
-            <a:off x="4002554" y="3631441"/>
+            <a:off x="4013064" y="3295112"/>
             <a:ext cx="3660791" cy="3155854"/>
           </a:xfrm>
           <a:prstGeom prst="hexagon">
@@ -3789,7 +3789,7 @@
         </p:nvSpPr>
         <p:spPr>
           <a:xfrm>
-            <a:off x="7803075" y="70705"/>
+            <a:off x="7708483" y="81215"/>
             <a:ext cx="3660791" cy="3155854"/>
           </a:xfrm>
           <a:prstGeom prst="hexagon">
@@ -3885,7 +3885,7 @@
         </p:nvSpPr>
         <p:spPr>
           <a:xfrm>
-            <a:off x="7803074" y="3631441"/>
+            <a:off x="7718994" y="3316133"/>
             <a:ext cx="3660791" cy="3155854"/>
           </a:xfrm>
           <a:prstGeom prst="hexagon">
@@ -3933,8 +3933,8 @@
         </p:nvSpPr>
         <p:spPr>
           <a:xfrm>
-            <a:off x="272820" y="264569"/>
-            <a:ext cx="3385084" cy="2918176"/>
+            <a:off x="307134" y="117426"/>
+            <a:ext cx="3639772" cy="3137735"/>
           </a:xfrm>
           <a:prstGeom prst="hexagon">
             <a:avLst/>
@@ -3981,8 +3981,8 @@
         </p:nvSpPr>
         <p:spPr>
           <a:xfrm>
-            <a:off x="1039686" y="392606"/>
-            <a:ext cx="1108129" cy="369332"/>
+            <a:off x="1245314" y="245463"/>
+            <a:ext cx="1191504" cy="369332"/>
           </a:xfrm>
           <a:prstGeom prst="rect">
             <a:avLst/>
@@ -4020,8 +4020,8 @@
         </p:nvSpPr>
         <p:spPr>
           <a:xfrm>
-            <a:off x="650678" y="802478"/>
-            <a:ext cx="2681207" cy="369332"/>
+            <a:off x="737947" y="655335"/>
+            <a:ext cx="2882941" cy="369332"/>
           </a:xfrm>
           <a:prstGeom prst="rect">
             <a:avLst/>
@@ -4055,8 +4055,8 @@
         </p:nvSpPr>
         <p:spPr>
           <a:xfrm rot="16200000">
-            <a:off x="642280" y="2033473"/>
-            <a:ext cx="325134" cy="236729"/>
+            <a:off x="910150" y="1889657"/>
+            <a:ext cx="349594" cy="254538"/>
           </a:xfrm>
           <a:prstGeom prst="triangle">
             <a:avLst/>
@@ -4104,8 +4104,8 @@
         </p:nvSpPr>
         <p:spPr>
           <a:xfrm>
-            <a:off x="1039686" y="1980185"/>
-            <a:ext cx="2041169" cy="307777"/>
+            <a:off x="1175114" y="1833043"/>
+            <a:ext cx="2194743" cy="307777"/>
           </a:xfrm>
           <a:prstGeom prst="rect">
             <a:avLst/>
@@ -4139,8 +4139,8 @@
         </p:nvSpPr>
         <p:spPr>
           <a:xfrm>
-            <a:off x="910134" y="1391725"/>
-            <a:ext cx="2041169" cy="307777"/>
+            <a:off x="1045562" y="1244583"/>
+            <a:ext cx="2194743" cy="307777"/>
           </a:xfrm>
           <a:prstGeom prst="rect">
             <a:avLst/>
@@ -4182,8 +4182,8 @@
         </p:nvSpPr>
         <p:spPr>
           <a:xfrm>
-            <a:off x="923212" y="2399831"/>
-            <a:ext cx="409290" cy="423272"/>
+            <a:off x="1181420" y="2252689"/>
+            <a:ext cx="440084" cy="455118"/>
           </a:xfrm>
           <a:prstGeom prst="ellipse">
             <a:avLst/>
@@ -4251,9 +4251,9 @@
           <p:nvPr/>
         </p:nvCxnSpPr>
         <p:spPr>
-          <a:xfrm>
-            <a:off x="1332502" y="2611467"/>
-            <a:ext cx="298715" cy="0"/>
+          <a:xfrm flipV="1">
+            <a:off x="1621504" y="2476555"/>
+            <a:ext cx="280908" cy="3693"/>
           </a:xfrm>
           <a:prstGeom prst="straightConnector1">
             <a:avLst/>
@@ -4294,8 +4294,8 @@
         </p:nvSpPr>
         <p:spPr>
           <a:xfrm rot="16200000">
-            <a:off x="1587014" y="2493102"/>
-            <a:ext cx="325134" cy="236729"/>
+            <a:off x="1854884" y="2349286"/>
+            <a:ext cx="349594" cy="254538"/>
           </a:xfrm>
           <a:prstGeom prst="triangle">
             <a:avLst/>
@@ -4343,8 +4343,8 @@
         </p:nvSpPr>
         <p:spPr>
           <a:xfrm>
-            <a:off x="2260428" y="2421844"/>
-            <a:ext cx="405806" cy="349833"/>
+            <a:off x="2518898" y="2274702"/>
+            <a:ext cx="436338" cy="376154"/>
           </a:xfrm>
           <a:prstGeom prst="hexagon">
             <a:avLst/>
@@ -4441,7 +4441,7 @@
         </p:nvSpPr>
         <p:spPr>
           <a:xfrm>
-            <a:off x="714641" y="4650608"/>
+            <a:off x="819743" y="4293257"/>
             <a:ext cx="1088208" cy="1125383"/>
           </a:xfrm>
           <a:prstGeom prst="ellipse">
@@ -4511,7 +4511,7 @@
         </p:nvCxnSpPr>
         <p:spPr>
           <a:xfrm flipV="1">
-            <a:off x="1802849" y="5209368"/>
+            <a:off x="1907951" y="4852017"/>
             <a:ext cx="617082" cy="3932"/>
           </a:xfrm>
           <a:prstGeom prst="straightConnector1">
@@ -4553,7 +4553,7 @@
         </p:nvSpPr>
         <p:spPr>
           <a:xfrm rot="16200000">
-            <a:off x="2302406" y="4894663"/>
+            <a:off x="2407508" y="4537312"/>
             <a:ext cx="864458" cy="629409"/>
           </a:xfrm>
           <a:prstGeom prst="triangle">
@@ -4602,7 +4602,7 @@
         </p:nvSpPr>
         <p:spPr>
           <a:xfrm>
-            <a:off x="4669350" y="4646676"/>
+            <a:off x="4679860" y="4310347"/>
             <a:ext cx="1088208" cy="1125383"/>
           </a:xfrm>
           <a:prstGeom prst="ellipse">
@@ -4672,7 +4672,7 @@
         </p:nvCxnSpPr>
         <p:spPr>
           <a:xfrm>
-            <a:off x="5757558" y="5209368"/>
+            <a:off x="5768068" y="4873039"/>
             <a:ext cx="523563" cy="0"/>
           </a:xfrm>
           <a:prstGeom prst="straightConnector1">
@@ -4714,7 +4714,7 @@
         </p:nvSpPr>
         <p:spPr>
           <a:xfrm>
-            <a:off x="6281121" y="4857700"/>
+            <a:off x="6291631" y="4521371"/>
             <a:ext cx="815869" cy="703336"/>
           </a:xfrm>
           <a:prstGeom prst="hexagon">
@@ -4763,7 +4763,7 @@
         </p:nvSpPr>
         <p:spPr>
           <a:xfrm rot="1570742">
-            <a:off x="8450551" y="412731"/>
+            <a:off x="8355959" y="423241"/>
             <a:ext cx="847387" cy="876335"/>
           </a:xfrm>
           <a:prstGeom prst="ellipse">
@@ -4833,7 +4833,7 @@
         </p:nvCxnSpPr>
         <p:spPr>
           <a:xfrm>
-            <a:off x="9254475" y="1037823"/>
+            <a:off x="9159883" y="1048333"/>
             <a:ext cx="457138" cy="262323"/>
           </a:xfrm>
           <a:prstGeom prst="straightConnector1">
@@ -4875,7 +4875,7 @@
         </p:nvSpPr>
         <p:spPr>
           <a:xfrm>
-            <a:off x="9587516" y="1171810"/>
+            <a:off x="9492924" y="1182320"/>
             <a:ext cx="847387" cy="876335"/>
           </a:xfrm>
           <a:prstGeom prst="ellipse">
@@ -4945,7 +4945,7 @@
         </p:nvCxnSpPr>
         <p:spPr>
           <a:xfrm>
-            <a:off x="10011210" y="2048145"/>
+            <a:off x="9916618" y="2058655"/>
             <a:ext cx="9272" cy="454606"/>
           </a:xfrm>
           <a:prstGeom prst="straightConnector1">
@@ -4987,7 +4987,7 @@
         </p:nvSpPr>
         <p:spPr>
           <a:xfrm rot="21561670">
-            <a:off x="9686637" y="2502736"/>
+            <a:off x="9592045" y="2513246"/>
             <a:ext cx="673153" cy="490120"/>
           </a:xfrm>
           <a:prstGeom prst="triangle">
@@ -5036,7 +5036,7 @@
         </p:nvSpPr>
         <p:spPr>
           <a:xfrm rot="1570742">
-            <a:off x="8546960" y="3776817"/>
+            <a:off x="8462880" y="3461509"/>
             <a:ext cx="847387" cy="876335"/>
           </a:xfrm>
           <a:prstGeom prst="ellipse">
@@ -5106,7 +5106,7 @@
         </p:nvCxnSpPr>
         <p:spPr>
           <a:xfrm>
-            <a:off x="9350884" y="4401909"/>
+            <a:off x="9266804" y="4086601"/>
             <a:ext cx="457138" cy="262323"/>
           </a:xfrm>
           <a:prstGeom prst="straightConnector1">
@@ -5148,7 +5148,7 @@
         </p:nvSpPr>
         <p:spPr>
           <a:xfrm>
-            <a:off x="9683925" y="4535896"/>
+            <a:off x="9599845" y="4220588"/>
             <a:ext cx="847387" cy="876335"/>
           </a:xfrm>
           <a:prstGeom prst="ellipse">
@@ -5218,7 +5218,7 @@
         </p:nvCxnSpPr>
         <p:spPr>
           <a:xfrm flipH="1">
-            <a:off x="9997681" y="5412231"/>
+            <a:off x="9913601" y="5096923"/>
             <a:ext cx="109938" cy="428686"/>
           </a:xfrm>
           <a:prstGeom prst="straightConnector1">
@@ -5260,7 +5260,7 @@
         </p:nvSpPr>
         <p:spPr>
           <a:xfrm rot="20216730">
-            <a:off x="9513899" y="5903722"/>
+            <a:off x="9429819" y="5588414"/>
             <a:ext cx="815869" cy="703336"/>
           </a:xfrm>
           <a:prstGeom prst="hexagon">
@@ -5339,7 +5339,7 @@
         </p:nvSpPr>
         <p:spPr>
           <a:xfrm>
-            <a:off x="4002554" y="70705"/>
+            <a:off x="3907963" y="154786"/>
             <a:ext cx="3660791" cy="3155854"/>
           </a:xfrm>
           <a:prstGeom prst="hexagon">
@@ -5820,7 +5820,7 @@
         </p:nvSpPr>
         <p:spPr>
           <a:xfrm rot="1570742">
-            <a:off x="5012587" y="312835"/>
+            <a:off x="4917996" y="396916"/>
             <a:ext cx="847387" cy="876335"/>
           </a:xfrm>
           <a:prstGeom prst="ellipse">
@@ -5890,7 +5890,7 @@
         </p:nvCxnSpPr>
         <p:spPr>
           <a:xfrm>
-            <a:off x="5816511" y="937927"/>
+            <a:off x="5721920" y="1022008"/>
             <a:ext cx="457138" cy="262323"/>
           </a:xfrm>
           <a:prstGeom prst="straightConnector1">
@@ -5932,7 +5932,7 @@
         </p:nvSpPr>
         <p:spPr>
           <a:xfrm>
-            <a:off x="6149552" y="1071914"/>
+            <a:off x="6054961" y="1155995"/>
             <a:ext cx="847387" cy="876335"/>
           </a:xfrm>
           <a:prstGeom prst="ellipse">
@@ -6002,7 +6002,7 @@
         </p:nvCxnSpPr>
         <p:spPr>
           <a:xfrm flipH="1">
-            <a:off x="5814885" y="1819913"/>
+            <a:off x="5720294" y="1903994"/>
             <a:ext cx="458764" cy="406639"/>
           </a:xfrm>
           <a:prstGeom prst="straightConnector1">
@@ -6044,7 +6044,7 @@
         </p:nvSpPr>
         <p:spPr>
           <a:xfrm>
-            <a:off x="5091595" y="2098216"/>
+            <a:off x="4997004" y="2182297"/>
             <a:ext cx="847387" cy="876335"/>
           </a:xfrm>
           <a:prstGeom prst="ellipse">
@@ -6114,7 +6114,7 @@
         </p:nvCxnSpPr>
         <p:spPr>
           <a:xfrm flipH="1" flipV="1">
-            <a:off x="4995691" y="1897832"/>
+            <a:off x="4901100" y="1981913"/>
             <a:ext cx="220001" cy="328720"/>
           </a:xfrm>
           <a:prstGeom prst="straightConnector1">
@@ -6156,7 +6156,7 @@
         </p:nvSpPr>
         <p:spPr>
           <a:xfrm rot="2883152">
-            <a:off x="4315073" y="1242759"/>
+            <a:off x="4220482" y="1326840"/>
             <a:ext cx="815869" cy="703336"/>
           </a:xfrm>
           <a:prstGeom prst="hexagon">
@@ -6205,7 +6205,7 @@
         </p:nvSpPr>
         <p:spPr>
           <a:xfrm>
-            <a:off x="8220984" y="151186"/>
+            <a:off x="7611385" y="182716"/>
             <a:ext cx="3660791" cy="3155854"/>
           </a:xfrm>
           <a:prstGeom prst="hexagon">
@@ -6253,7 +6253,7 @@
         </p:nvSpPr>
         <p:spPr>
           <a:xfrm>
-            <a:off x="10367982" y="1152395"/>
+            <a:off x="9758383" y="1183925"/>
             <a:ext cx="847387" cy="876335"/>
           </a:xfrm>
           <a:prstGeom prst="ellipse">
@@ -6323,7 +6323,7 @@
         </p:nvCxnSpPr>
         <p:spPr>
           <a:xfrm flipH="1">
-            <a:off x="10033315" y="1900394"/>
+            <a:off x="9423716" y="1931924"/>
             <a:ext cx="458764" cy="406639"/>
           </a:xfrm>
           <a:prstGeom prst="straightConnector1">
@@ -6365,7 +6365,7 @@
         </p:nvSpPr>
         <p:spPr>
           <a:xfrm>
-            <a:off x="9310025" y="2178697"/>
+            <a:off x="8700426" y="2210227"/>
             <a:ext cx="847387" cy="876335"/>
           </a:xfrm>
           <a:prstGeom prst="ellipse">
@@ -6435,7 +6435,7 @@
         </p:nvCxnSpPr>
         <p:spPr>
           <a:xfrm flipH="1" flipV="1">
-            <a:off x="9214121" y="1978313"/>
+            <a:off x="8604522" y="2009843"/>
             <a:ext cx="220001" cy="328720"/>
           </a:xfrm>
           <a:prstGeom prst="straightConnector1">
@@ -6477,7 +6477,7 @@
         </p:nvSpPr>
         <p:spPr>
           <a:xfrm rot="2883152">
-            <a:off x="8533503" y="1323240"/>
+            <a:off x="7923904" y="1354770"/>
             <a:ext cx="815869" cy="703336"/>
           </a:xfrm>
           <a:prstGeom prst="hexagon">
@@ -6526,7 +6526,7 @@
         </p:nvSpPr>
         <p:spPr>
           <a:xfrm>
-            <a:off x="175699" y="3547012"/>
+            <a:off x="196719" y="3399868"/>
             <a:ext cx="3660791" cy="3155854"/>
           </a:xfrm>
           <a:prstGeom prst="hexagon">
@@ -6574,7 +6574,7 @@
         </p:nvSpPr>
         <p:spPr>
           <a:xfrm rot="5400000">
-            <a:off x="1173087" y="4367077"/>
+            <a:off x="1194107" y="4219933"/>
             <a:ext cx="1618655" cy="1395394"/>
           </a:xfrm>
           <a:prstGeom prst="hexagon">
@@ -6623,7 +6623,7 @@
         </p:nvSpPr>
         <p:spPr>
           <a:xfrm>
-            <a:off x="4069808" y="3486847"/>
+            <a:off x="3912154" y="3392256"/>
             <a:ext cx="3660791" cy="3155854"/>
           </a:xfrm>
           <a:prstGeom prst="hexagon">
@@ -6671,7 +6671,7 @@
         </p:nvSpPr>
         <p:spPr>
           <a:xfrm>
-            <a:off x="5158849" y="5514358"/>
+            <a:off x="5001195" y="5419767"/>
             <a:ext cx="847387" cy="876335"/>
           </a:xfrm>
           <a:prstGeom prst="ellipse">
@@ -6741,7 +6741,7 @@
         </p:nvCxnSpPr>
         <p:spPr>
           <a:xfrm flipH="1" flipV="1">
-            <a:off x="5062945" y="5313974"/>
+            <a:off x="4905291" y="5219383"/>
             <a:ext cx="220001" cy="328720"/>
           </a:xfrm>
           <a:prstGeom prst="straightConnector1">
@@ -6783,7 +6783,7 @@
         </p:nvSpPr>
         <p:spPr>
           <a:xfrm rot="2883152">
-            <a:off x="4382327" y="4658901"/>
+            <a:off x="4224673" y="4564310"/>
             <a:ext cx="815869" cy="703336"/>
           </a:xfrm>
           <a:prstGeom prst="hexagon">
@@ -6832,7 +6832,7 @@
         </p:nvSpPr>
         <p:spPr>
           <a:xfrm>
-            <a:off x="8202919" y="3531930"/>
+            <a:off x="7635362" y="3416318"/>
             <a:ext cx="3660791" cy="3155854"/>
           </a:xfrm>
           <a:prstGeom prst="hexagon">
@@ -6880,7 +6880,7 @@
         </p:nvSpPr>
         <p:spPr>
           <a:xfrm>
-            <a:off x="9291960" y="5559441"/>
+            <a:off x="8724403" y="5443829"/>
             <a:ext cx="847387" cy="876335"/>
           </a:xfrm>
           <a:prstGeom prst="ellipse">
@@ -6950,7 +6950,7 @@
         </p:nvCxnSpPr>
         <p:spPr>
           <a:xfrm flipH="1" flipV="1">
-            <a:off x="9128579" y="5325761"/>
+            <a:off x="8561022" y="5210149"/>
             <a:ext cx="287478" cy="362016"/>
           </a:xfrm>
           <a:prstGeom prst="straightConnector1">
@@ -6992,7 +6992,7 @@
         </p:nvSpPr>
         <p:spPr>
           <a:xfrm rot="8485663">
-            <a:off x="8639208" y="4889107"/>
+            <a:off x="8071651" y="4773495"/>
             <a:ext cx="673153" cy="490120"/>
           </a:xfrm>
           <a:prstGeom prst="triangle">
